--- a/คนดีสสจชุมพร/คนดีประจำเดือนเมษายน2562.pptx
+++ b/คนดีสสจชุมพร/คนดีประจำเดือนเมษายน2562.pptx
@@ -306,7 +306,7 @@
           <a:p>
             <a:fld id="{60489FEB-8CFD-4184-8963-48038C0D8CBD}" type="datetimeFigureOut">
               <a:rPr lang="th-TH" smtClean="0"/>
-              <a:t>08/04/62</a:t>
+              <a:t>09/04/62</a:t>
             </a:fld>
             <a:endParaRPr lang="th-TH"/>
           </a:p>
@@ -474,7 +474,7 @@
           <a:p>
             <a:fld id="{60489FEB-8CFD-4184-8963-48038C0D8CBD}" type="datetimeFigureOut">
               <a:rPr lang="th-TH" smtClean="0"/>
-              <a:t>08/04/62</a:t>
+              <a:t>09/04/62</a:t>
             </a:fld>
             <a:endParaRPr lang="th-TH"/>
           </a:p>
@@ -652,7 +652,7 @@
           <a:p>
             <a:fld id="{60489FEB-8CFD-4184-8963-48038C0D8CBD}" type="datetimeFigureOut">
               <a:rPr lang="th-TH" smtClean="0"/>
-              <a:t>08/04/62</a:t>
+              <a:t>09/04/62</a:t>
             </a:fld>
             <a:endParaRPr lang="th-TH"/>
           </a:p>
@@ -820,7 +820,7 @@
           <a:p>
             <a:fld id="{60489FEB-8CFD-4184-8963-48038C0D8CBD}" type="datetimeFigureOut">
               <a:rPr lang="th-TH" smtClean="0"/>
-              <a:t>08/04/62</a:t>
+              <a:t>09/04/62</a:t>
             </a:fld>
             <a:endParaRPr lang="th-TH"/>
           </a:p>
@@ -1065,7 +1065,7 @@
           <a:p>
             <a:fld id="{60489FEB-8CFD-4184-8963-48038C0D8CBD}" type="datetimeFigureOut">
               <a:rPr lang="th-TH" smtClean="0"/>
-              <a:t>08/04/62</a:t>
+              <a:t>09/04/62</a:t>
             </a:fld>
             <a:endParaRPr lang="th-TH"/>
           </a:p>
@@ -1350,7 +1350,7 @@
           <a:p>
             <a:fld id="{60489FEB-8CFD-4184-8963-48038C0D8CBD}" type="datetimeFigureOut">
               <a:rPr lang="th-TH" smtClean="0"/>
-              <a:t>08/04/62</a:t>
+              <a:t>09/04/62</a:t>
             </a:fld>
             <a:endParaRPr lang="th-TH"/>
           </a:p>
@@ -1774,7 +1774,7 @@
           <a:p>
             <a:fld id="{60489FEB-8CFD-4184-8963-48038C0D8CBD}" type="datetimeFigureOut">
               <a:rPr lang="th-TH" smtClean="0"/>
-              <a:t>08/04/62</a:t>
+              <a:t>09/04/62</a:t>
             </a:fld>
             <a:endParaRPr lang="th-TH"/>
           </a:p>
@@ -1891,7 +1891,7 @@
           <a:p>
             <a:fld id="{60489FEB-8CFD-4184-8963-48038C0D8CBD}" type="datetimeFigureOut">
               <a:rPr lang="th-TH" smtClean="0"/>
-              <a:t>08/04/62</a:t>
+              <a:t>09/04/62</a:t>
             </a:fld>
             <a:endParaRPr lang="th-TH"/>
           </a:p>
@@ -1986,7 +1986,7 @@
           <a:p>
             <a:fld id="{60489FEB-8CFD-4184-8963-48038C0D8CBD}" type="datetimeFigureOut">
               <a:rPr lang="th-TH" smtClean="0"/>
-              <a:t>08/04/62</a:t>
+              <a:t>09/04/62</a:t>
             </a:fld>
             <a:endParaRPr lang="th-TH"/>
           </a:p>
@@ -2261,7 +2261,7 @@
           <a:p>
             <a:fld id="{60489FEB-8CFD-4184-8963-48038C0D8CBD}" type="datetimeFigureOut">
               <a:rPr lang="th-TH" smtClean="0"/>
-              <a:t>08/04/62</a:t>
+              <a:t>09/04/62</a:t>
             </a:fld>
             <a:endParaRPr lang="th-TH"/>
           </a:p>
@@ -2513,7 +2513,7 @@
           <a:p>
             <a:fld id="{60489FEB-8CFD-4184-8963-48038C0D8CBD}" type="datetimeFigureOut">
               <a:rPr lang="th-TH" smtClean="0"/>
-              <a:t>08/04/62</a:t>
+              <a:t>09/04/62</a:t>
             </a:fld>
             <a:endParaRPr lang="th-TH"/>
           </a:p>
@@ -2724,7 +2724,7 @@
           <a:p>
             <a:fld id="{60489FEB-8CFD-4184-8963-48038C0D8CBD}" type="datetimeFigureOut">
               <a:rPr lang="th-TH" smtClean="0"/>
-              <a:t>08/04/62</a:t>
+              <a:t>09/04/62</a:t>
             </a:fld>
             <a:endParaRPr lang="th-TH"/>
           </a:p>
